--- a/docs/diagrams/checkstockfilter.pptx
+++ b/docs/diagrams/checkstockfilter.pptx
@@ -104,6 +104,11 @@
       </a:defRPr>
     </a:lvl9pPr>
   </p:defaultTextStyle>
+  <p:extLst>
+    <p:ext uri="{EFAFB233-063F-42B5-8137-9DF3F51BA10A}">
+      <p15:sldGuideLst xmlns:p15="http://schemas.microsoft.com/office/powerpoint/2012/main"/>
+    </p:ext>
+  </p:extLst>
 </p:presentation>
 </file>
 
@@ -2989,7 +2994,7 @@
         </p:blipFill>
         <p:spPr bwMode="auto">
           <a:xfrm>
-            <a:off x="353563" y="1583873"/>
+            <a:off x="353563" y="472255"/>
             <a:ext cx="2616200" cy="1860550"/>
           </a:xfrm>
           <a:prstGeom prst="rect">
@@ -3030,7 +3035,7 @@
         </p:blipFill>
         <p:spPr bwMode="auto">
           <a:xfrm>
-            <a:off x="339275" y="3345998"/>
+            <a:off x="339275" y="2234380"/>
             <a:ext cx="2630488" cy="1860550"/>
           </a:xfrm>
           <a:prstGeom prst="rect">
@@ -3069,7 +3074,7 @@
         </p:blipFill>
         <p:spPr bwMode="auto">
           <a:xfrm>
-            <a:off x="337689" y="5200198"/>
+            <a:off x="337689" y="4088580"/>
             <a:ext cx="2628424" cy="1849438"/>
           </a:xfrm>
           <a:prstGeom prst="rect">
@@ -3110,7 +3115,7 @@
         </p:blipFill>
         <p:spPr bwMode="auto">
           <a:xfrm>
-            <a:off x="326575" y="7049636"/>
+            <a:off x="326575" y="5938018"/>
             <a:ext cx="2655888" cy="1831975"/>
           </a:xfrm>
           <a:prstGeom prst="rect">
@@ -3151,7 +3156,7 @@
         </p:blipFill>
         <p:spPr bwMode="auto">
           <a:xfrm>
-            <a:off x="326575" y="8853036"/>
+            <a:off x="326575" y="7741418"/>
             <a:ext cx="2644775" cy="1831975"/>
           </a:xfrm>
           <a:prstGeom prst="rect">
@@ -3192,7 +3197,7 @@
         </p:blipFill>
         <p:spPr bwMode="auto">
           <a:xfrm>
-            <a:off x="4006850" y="3699781"/>
+            <a:off x="4006850" y="2588163"/>
             <a:ext cx="2727325" cy="1890712"/>
           </a:xfrm>
           <a:prstGeom prst="rect">
@@ -3233,7 +3238,7 @@
         </p:blipFill>
         <p:spPr bwMode="auto">
           <a:xfrm>
-            <a:off x="3990521" y="5475060"/>
+            <a:off x="3990521" y="4363442"/>
             <a:ext cx="2733675" cy="1849438"/>
           </a:xfrm>
           <a:prstGeom prst="rect">
@@ -3261,7 +3266,7 @@
         </p:nvSpPr>
         <p:spPr bwMode="auto">
           <a:xfrm>
-            <a:off x="3028950" y="5731215"/>
+            <a:off x="3028950" y="4619597"/>
             <a:ext cx="977900" cy="484187"/>
           </a:xfrm>
           <a:prstGeom prst="rightArrow">
@@ -3307,12 +3312,12 @@
               <a:tabLst/>
             </a:pPr>
             <a:r>
-              <a:rPr kumimoji="0" lang="en-US" altLang="en-US" sz="1100" b="0" i="0" u="none" strike="noStrike" cap="none" normalizeH="0" baseline="0" smtClean="0">
+              <a:rPr kumimoji="0" lang="en-US" altLang="en-US" sz="1100" b="0" i="0" u="none" strike="noStrike" cap="none" normalizeH="0" baseline="0" dirty="0" err="1" smtClean="0">
                 <a:ln>
                   <a:noFill/>
                 </a:ln>
                 <a:solidFill>
-                  <a:schemeClr val="tx1"/>
+                  <a:schemeClr val="bg1"/>
                 </a:solidFill>
                 <a:effectLst/>
                 <a:latin typeface="Calibri" panose="020F0502020204030204" pitchFamily="34" charset="0"/>
@@ -3321,12 +3326,12 @@
               </a:rPr>
               <a:t>checkstock</a:t>
             </a:r>
-            <a:endParaRPr kumimoji="0" lang="en-US" altLang="en-US" sz="1800" b="0" i="0" u="none" strike="noStrike" cap="none" normalizeH="0" baseline="0" smtClean="0">
+            <a:endParaRPr kumimoji="0" lang="en-US" altLang="en-US" sz="1800" b="0" i="0" u="none" strike="noStrike" cap="none" normalizeH="0" baseline="0" dirty="0" smtClean="0">
               <a:ln>
                 <a:noFill/>
               </a:ln>
               <a:solidFill>
-                <a:schemeClr val="tx1"/>
+                <a:schemeClr val="bg1"/>
               </a:solidFill>
               <a:effectLst/>
               <a:latin typeface="Arial" panose="020B0604020202020204" pitchFamily="34" charset="0"/>
@@ -3336,64 +3341,60 @@
       </p:sp>
       <p:sp>
         <p:nvSpPr>
-          <p:cNvPr id="12" name="Rectangle 9"/>
-          <p:cNvSpPr>
-            <a:spLocks noChangeArrowheads="1"/>
-          </p:cNvSpPr>
+          <p:cNvPr id="2" name="TextBox 1"/>
+          <p:cNvSpPr txBox="1"/>
           <p:nvPr/>
         </p:nvSpPr>
-        <p:spPr bwMode="auto">
+        <p:spPr>
           <a:xfrm>
-            <a:off x="0" y="0"/>
-            <a:ext cx="6858000" cy="457200"/>
+            <a:off x="896471" y="53794"/>
+            <a:ext cx="1428596" cy="369332"/>
           </a:xfrm>
           <a:prstGeom prst="rect">
             <a:avLst/>
           </a:prstGeom>
           <a:noFill/>
-          <a:ln>
-            <a:noFill/>
-          </a:ln>
-          <a:effectLst/>
-          <a:extLst>
-            <a:ext uri="{909E8E84-426E-40DD-AFC4-6F175D3DCCD1}">
-              <a14:hiddenFill xmlns:a14="http://schemas.microsoft.com/office/drawing/2010/main">
-                <a:solidFill>
-                  <a:schemeClr val="accent1"/>
-                </a:solidFill>
-              </a14:hiddenFill>
-            </a:ext>
-            <a:ext uri="{91240B29-F687-4F45-9708-019B960494DF}">
-              <a14:hiddenLine xmlns:a14="http://schemas.microsoft.com/office/drawing/2010/main" w="9525">
-                <a:solidFill>
-                  <a:schemeClr val="tx1"/>
-                </a:solidFill>
-                <a:miter lim="800000"/>
-                <a:headEnd/>
-                <a:tailEnd/>
-              </a14:hiddenLine>
-            </a:ext>
-            <a:ext uri="{AF507438-7753-43E0-B8FC-AC1667EBCBE1}">
-              <a14:hiddenEffects xmlns:a14="http://schemas.microsoft.com/office/drawing/2010/main">
-                <a:effectLst>
-                  <a:outerShdw dist="35921" dir="2700000" algn="ctr" rotWithShape="0">
-                    <a:schemeClr val="bg2"/>
-                  </a:outerShdw>
-                </a:effectLst>
-              </a14:hiddenEffects>
-            </a:ext>
-          </a:extLst>
         </p:spPr>
         <p:txBody>
-          <a:bodyPr vert="horz" wrap="none" lIns="91440" tIns="45720" rIns="91440" bIns="45720" numCol="1" anchor="ctr" anchorCtr="0" compatLnSpc="1">
-            <a:prstTxWarp prst="textNoShape">
-              <a:avLst/>
-            </a:prstTxWarp>
+          <a:bodyPr wrap="none" rtlCol="0">
             <a:spAutoFit/>
           </a:bodyPr>
           <a:lstStyle/>
           <a:p>
-            <a:endParaRPr lang="en-SG"/>
+            <a:r>
+              <a:rPr lang="en-SG" dirty="0" smtClean="0"/>
+              <a:t>All medicines</a:t>
+            </a:r>
+            <a:endParaRPr lang="en-SG" dirty="0"/>
+          </a:p>
+        </p:txBody>
+      </p:sp>
+      <p:sp>
+        <p:nvSpPr>
+          <p:cNvPr id="13" name="TextBox 12"/>
+          <p:cNvSpPr txBox="1"/>
+          <p:nvPr/>
+        </p:nvSpPr>
+        <p:spPr>
+          <a:xfrm>
+            <a:off x="4323367" y="1429108"/>
+            <a:ext cx="2067982" cy="1200329"/>
+          </a:xfrm>
+          <a:prstGeom prst="rect">
+            <a:avLst/>
+          </a:prstGeom>
+          <a:noFill/>
+        </p:spPr>
+        <p:txBody>
+          <a:bodyPr wrap="square" rtlCol="0">
+            <a:spAutoFit/>
+          </a:bodyPr>
+          <a:lstStyle/>
+          <a:p>
+            <a:r>
+              <a:rPr lang="en-SG" dirty="0" smtClean="0"/>
+              <a:t>Medicines with stocks lower or equal to minimum quantity</a:t>
+            </a:r>
           </a:p>
         </p:txBody>
       </p:sp>

--- a/docs/diagrams/checkstockfilter.pptx
+++ b/docs/diagrams/checkstockfilter.pptx
@@ -243,7 +243,7 @@
           <a:p>
             <a:fld id="{4D705759-FBE8-4706-95A5-F7381EFC17E3}" type="datetimeFigureOut">
               <a:rPr lang="en-SG" smtClean="0"/>
-              <a:t>11/11/2018</a:t>
+              <a:t>12/11/2018</a:t>
             </a:fld>
             <a:endParaRPr lang="en-SG"/>
           </a:p>
@@ -413,7 +413,7 @@
           <a:p>
             <a:fld id="{4D705759-FBE8-4706-95A5-F7381EFC17E3}" type="datetimeFigureOut">
               <a:rPr lang="en-SG" smtClean="0"/>
-              <a:t>11/11/2018</a:t>
+              <a:t>12/11/2018</a:t>
             </a:fld>
             <a:endParaRPr lang="en-SG"/>
           </a:p>
@@ -593,7 +593,7 @@
           <a:p>
             <a:fld id="{4D705759-FBE8-4706-95A5-F7381EFC17E3}" type="datetimeFigureOut">
               <a:rPr lang="en-SG" smtClean="0"/>
-              <a:t>11/11/2018</a:t>
+              <a:t>12/11/2018</a:t>
             </a:fld>
             <a:endParaRPr lang="en-SG"/>
           </a:p>
@@ -763,7 +763,7 @@
           <a:p>
             <a:fld id="{4D705759-FBE8-4706-95A5-F7381EFC17E3}" type="datetimeFigureOut">
               <a:rPr lang="en-SG" smtClean="0"/>
-              <a:t>11/11/2018</a:t>
+              <a:t>12/11/2018</a:t>
             </a:fld>
             <a:endParaRPr lang="en-SG"/>
           </a:p>
@@ -1007,7 +1007,7 @@
           <a:p>
             <a:fld id="{4D705759-FBE8-4706-95A5-F7381EFC17E3}" type="datetimeFigureOut">
               <a:rPr lang="en-SG" smtClean="0"/>
-              <a:t>11/11/2018</a:t>
+              <a:t>12/11/2018</a:t>
             </a:fld>
             <a:endParaRPr lang="en-SG"/>
           </a:p>
@@ -1239,7 +1239,7 @@
           <a:p>
             <a:fld id="{4D705759-FBE8-4706-95A5-F7381EFC17E3}" type="datetimeFigureOut">
               <a:rPr lang="en-SG" smtClean="0"/>
-              <a:t>11/11/2018</a:t>
+              <a:t>12/11/2018</a:t>
             </a:fld>
             <a:endParaRPr lang="en-SG"/>
           </a:p>
@@ -1606,7 +1606,7 @@
           <a:p>
             <a:fld id="{4D705759-FBE8-4706-95A5-F7381EFC17E3}" type="datetimeFigureOut">
               <a:rPr lang="en-SG" smtClean="0"/>
-              <a:t>11/11/2018</a:t>
+              <a:t>12/11/2018</a:t>
             </a:fld>
             <a:endParaRPr lang="en-SG"/>
           </a:p>
@@ -1724,7 +1724,7 @@
           <a:p>
             <a:fld id="{4D705759-FBE8-4706-95A5-F7381EFC17E3}" type="datetimeFigureOut">
               <a:rPr lang="en-SG" smtClean="0"/>
-              <a:t>11/11/2018</a:t>
+              <a:t>12/11/2018</a:t>
             </a:fld>
             <a:endParaRPr lang="en-SG"/>
           </a:p>
@@ -1819,7 +1819,7 @@
           <a:p>
             <a:fld id="{4D705759-FBE8-4706-95A5-F7381EFC17E3}" type="datetimeFigureOut">
               <a:rPr lang="en-SG" smtClean="0"/>
-              <a:t>11/11/2018</a:t>
+              <a:t>12/11/2018</a:t>
             </a:fld>
             <a:endParaRPr lang="en-SG"/>
           </a:p>
@@ -2096,7 +2096,7 @@
           <a:p>
             <a:fld id="{4D705759-FBE8-4706-95A5-F7381EFC17E3}" type="datetimeFigureOut">
               <a:rPr lang="en-SG" smtClean="0"/>
-              <a:t>11/11/2018</a:t>
+              <a:t>12/11/2018</a:t>
             </a:fld>
             <a:endParaRPr lang="en-SG"/>
           </a:p>
@@ -2353,7 +2353,7 @@
           <a:p>
             <a:fld id="{4D705759-FBE8-4706-95A5-F7381EFC17E3}" type="datetimeFigureOut">
               <a:rPr lang="en-SG" smtClean="0"/>
-              <a:t>11/11/2018</a:t>
+              <a:t>12/11/2018</a:t>
             </a:fld>
             <a:endParaRPr lang="en-SG"/>
           </a:p>
@@ -2566,7 +2566,7 @@
           <a:p>
             <a:fld id="{4D705759-FBE8-4706-95A5-F7381EFC17E3}" type="datetimeFigureOut">
               <a:rPr lang="en-SG" smtClean="0"/>
-              <a:t>11/11/2018</a:t>
+              <a:t>12/11/2018</a:t>
             </a:fld>
             <a:endParaRPr lang="en-SG"/>
           </a:p>
@@ -2979,7 +2979,7 @@
           </p:cNvPicPr>
           <p:nvPr/>
         </p:nvPicPr>
-        <p:blipFill>
+        <p:blipFill rotWithShape="1">
           <a:blip r:embed="rId2">
             <a:extLst>
               <a:ext uri="{28A0092B-C50C-407E-A947-70E740481C1C}">
@@ -2987,15 +2987,13 @@
               </a:ext>
             </a:extLst>
           </a:blip>
-          <a:srcRect/>
-          <a:stretch>
-            <a:fillRect/>
-          </a:stretch>
+          <a:srcRect r="31961"/>
+          <a:stretch/>
         </p:blipFill>
         <p:spPr bwMode="auto">
           <a:xfrm>
-            <a:off x="353563" y="472255"/>
-            <a:ext cx="2616200" cy="1860550"/>
+            <a:off x="48766" y="472255"/>
+            <a:ext cx="1780034" cy="1860550"/>
           </a:xfrm>
           <a:prstGeom prst="rect">
             <a:avLst/>
@@ -3020,7 +3018,7 @@
           </p:cNvPicPr>
           <p:nvPr/>
         </p:nvPicPr>
-        <p:blipFill>
+        <p:blipFill rotWithShape="1">
           <a:blip r:embed="rId3">
             <a:extLst>
               <a:ext uri="{28A0092B-C50C-407E-A947-70E740481C1C}">
@@ -3028,15 +3026,13 @@
               </a:ext>
             </a:extLst>
           </a:blip>
-          <a:srcRect/>
-          <a:stretch>
-            <a:fillRect/>
-          </a:stretch>
+          <a:srcRect r="31787"/>
+          <a:stretch/>
         </p:blipFill>
         <p:spPr bwMode="auto">
           <a:xfrm>
-            <a:off x="339275" y="2234380"/>
-            <a:ext cx="2630488" cy="1860550"/>
+            <a:off x="34478" y="2234380"/>
+            <a:ext cx="1794322" cy="1860550"/>
           </a:xfrm>
           <a:prstGeom prst="rect">
             <a:avLst/>
@@ -3069,13 +3065,13 @@
               </a:ext>
             </a:extLst>
           </a:blip>
-          <a:srcRect r="618"/>
+          <a:srcRect r="32176"/>
           <a:stretch/>
         </p:blipFill>
         <p:spPr bwMode="auto">
           <a:xfrm>
-            <a:off x="337689" y="4088580"/>
-            <a:ext cx="2628424" cy="1849438"/>
+            <a:off x="32892" y="4088580"/>
+            <a:ext cx="1793791" cy="1849438"/>
           </a:xfrm>
           <a:prstGeom prst="rect">
             <a:avLst/>
@@ -3100,7 +3096,7 @@
           </p:cNvPicPr>
           <p:nvPr/>
         </p:nvPicPr>
-        <p:blipFill>
+        <p:blipFill rotWithShape="1">
           <a:blip r:embed="rId5">
             <a:extLst>
               <a:ext uri="{28A0092B-C50C-407E-A947-70E740481C1C}">
@@ -3108,15 +3104,13 @@
               </a:ext>
             </a:extLst>
           </a:blip>
-          <a:srcRect/>
-          <a:stretch>
-            <a:fillRect/>
-          </a:stretch>
+          <a:srcRect r="31962"/>
+          <a:stretch/>
         </p:blipFill>
         <p:spPr bwMode="auto">
           <a:xfrm>
-            <a:off x="326575" y="5938018"/>
-            <a:ext cx="2655888" cy="1831975"/>
+            <a:off x="21778" y="5938018"/>
+            <a:ext cx="1807022" cy="1831975"/>
           </a:xfrm>
           <a:prstGeom prst="rect">
             <a:avLst/>
@@ -3141,7 +3135,7 @@
           </p:cNvPicPr>
           <p:nvPr/>
         </p:nvPicPr>
-        <p:blipFill>
+        <p:blipFill rotWithShape="1">
           <a:blip r:embed="rId6">
             <a:extLst>
               <a:ext uri="{28A0092B-C50C-407E-A947-70E740481C1C}">
@@ -3149,15 +3143,13 @@
               </a:ext>
             </a:extLst>
           </a:blip>
-          <a:srcRect/>
-          <a:stretch>
-            <a:fillRect/>
-          </a:stretch>
+          <a:srcRect r="31675"/>
+          <a:stretch/>
         </p:blipFill>
         <p:spPr bwMode="auto">
           <a:xfrm>
-            <a:off x="326575" y="7741418"/>
-            <a:ext cx="2644775" cy="1831975"/>
+            <a:off x="21779" y="7741418"/>
+            <a:ext cx="1807022" cy="1831975"/>
           </a:xfrm>
           <a:prstGeom prst="rect">
             <a:avLst/>
@@ -3182,7 +3174,7 @@
           </p:cNvPicPr>
           <p:nvPr/>
         </p:nvPicPr>
-        <p:blipFill>
+        <p:blipFill rotWithShape="1">
           <a:blip r:embed="rId7">
             <a:extLst>
               <a:ext uri="{28A0092B-C50C-407E-A947-70E740481C1C}">
@@ -3190,15 +3182,13 @@
               </a:ext>
             </a:extLst>
           </a:blip>
-          <a:srcRect/>
-          <a:stretch>
-            <a:fillRect/>
-          </a:stretch>
+          <a:srcRect r="26181"/>
+          <a:stretch/>
         </p:blipFill>
         <p:spPr bwMode="auto">
           <a:xfrm>
-            <a:off x="4006850" y="2588163"/>
-            <a:ext cx="2727325" cy="1890712"/>
+            <a:off x="4383363" y="2767887"/>
+            <a:ext cx="2013286" cy="1890712"/>
           </a:xfrm>
           <a:prstGeom prst="rect">
             <a:avLst/>
@@ -3223,7 +3213,7 @@
           </p:cNvPicPr>
           <p:nvPr/>
         </p:nvPicPr>
-        <p:blipFill>
+        <p:blipFill rotWithShape="1">
           <a:blip r:embed="rId8">
             <a:extLst>
               <a:ext uri="{28A0092B-C50C-407E-A947-70E740481C1C}">
@@ -3231,15 +3221,13 @@
               </a:ext>
             </a:extLst>
           </a:blip>
-          <a:srcRect/>
-          <a:stretch>
-            <a:fillRect/>
-          </a:stretch>
+          <a:srcRect r="26107"/>
+          <a:stretch/>
         </p:blipFill>
         <p:spPr bwMode="auto">
           <a:xfrm>
-            <a:off x="3990521" y="4363442"/>
-            <a:ext cx="2733675" cy="1849438"/>
+            <a:off x="4367033" y="4543166"/>
+            <a:ext cx="2019989" cy="1849438"/>
           </a:xfrm>
           <a:prstGeom prst="rect">
             <a:avLst/>
@@ -3266,8 +3254,8 @@
         </p:nvSpPr>
         <p:spPr bwMode="auto">
           <a:xfrm>
-            <a:off x="3028950" y="4619597"/>
-            <a:ext cx="977900" cy="484187"/>
+            <a:off x="2372618" y="3964791"/>
+            <a:ext cx="1630630" cy="1028168"/>
           </a:xfrm>
           <a:prstGeom prst="rightArrow">
             <a:avLst>
@@ -3275,18 +3263,25 @@
               <a:gd name="adj2" fmla="val 50024"/>
             </a:avLst>
           </a:prstGeom>
-          <a:solidFill>
-            <a:srgbClr val="5B9BD5"/>
-          </a:solidFill>
-          <a:ln w="12700">
-            <a:solidFill>
-              <a:srgbClr val="1F4D78"/>
-            </a:solidFill>
-            <a:miter lim="800000"/>
+          <a:ln>
             <a:headEnd/>
             <a:tailEnd/>
           </a:ln>
         </p:spPr>
+        <p:style>
+          <a:lnRef idx="0">
+            <a:schemeClr val="accent5"/>
+          </a:lnRef>
+          <a:fillRef idx="3">
+            <a:schemeClr val="accent5"/>
+          </a:fillRef>
+          <a:effectRef idx="3">
+            <a:schemeClr val="accent5"/>
+          </a:effectRef>
+          <a:fontRef idx="minor">
+            <a:schemeClr val="lt1"/>
+          </a:fontRef>
+        </p:style>
         <p:txBody>
           <a:bodyPr vert="horz" wrap="square" lIns="91440" tIns="45720" rIns="91440" bIns="45720" numCol="1" anchor="ctr" anchorCtr="0" compatLnSpc="1">
             <a:prstTxWarp prst="textNoShape">
@@ -3312,7 +3307,7 @@
               <a:tabLst/>
             </a:pPr>
             <a:r>
-              <a:rPr kumimoji="0" lang="en-US" altLang="en-US" sz="1100" b="0" i="0" u="none" strike="noStrike" cap="none" normalizeH="0" baseline="0" dirty="0" err="1" smtClean="0">
+              <a:rPr kumimoji="0" lang="en-US" altLang="en-US" sz="2000" b="0" i="0" u="none" strike="noStrike" cap="none" normalizeH="0" baseline="0" dirty="0" err="1" smtClean="0">
                 <a:ln>
                   <a:noFill/>
                 </a:ln>
@@ -3326,7 +3321,7 @@
               </a:rPr>
               <a:t>checkstock</a:t>
             </a:r>
-            <a:endParaRPr kumimoji="0" lang="en-US" altLang="en-US" sz="1800" b="0" i="0" u="none" strike="noStrike" cap="none" normalizeH="0" baseline="0" dirty="0" smtClean="0">
+            <a:endParaRPr kumimoji="0" lang="en-US" altLang="en-US" sz="3600" b="0" i="0" u="none" strike="noStrike" cap="none" normalizeH="0" baseline="0" dirty="0" smtClean="0">
               <a:ln>
                 <a:noFill/>
               </a:ln>
@@ -3347,7 +3342,7 @@
         </p:nvSpPr>
         <p:spPr>
           <a:xfrm>
-            <a:off x="896471" y="53794"/>
+            <a:off x="591674" y="53794"/>
             <a:ext cx="1428596" cy="369332"/>
           </a:xfrm>
           <a:prstGeom prst="rect">
@@ -3377,7 +3372,7 @@
         </p:nvSpPr>
         <p:spPr>
           <a:xfrm>
-            <a:off x="4323367" y="1429108"/>
+            <a:off x="4538518" y="1585660"/>
             <a:ext cx="2067982" cy="1200329"/>
           </a:xfrm>
           <a:prstGeom prst="rect">
